--- a/적게 자도 괜찮습니다.pptx
+++ b/적게 자도 괜찮습니다.pptx
@@ -6,6 +6,10 @@
   </p:sldMasterIdLst>
   <p:sldIdLst>
     <p:sldId id="256" r:id="rId2"/>
+    <p:sldId id="257" r:id="rId3"/>
+    <p:sldId id="258" r:id="rId4"/>
+    <p:sldId id="259" r:id="rId5"/>
+    <p:sldId id="260" r:id="rId6"/>
   </p:sldIdLst>
   <p:sldSz cx="9144000" cy="6858000" type="screen4x3"/>
   <p:notesSz cx="6858000" cy="9144000"/>
@@ -104,6 +108,11 @@
       </a:defRPr>
     </a:lvl9pPr>
   </p:defaultTextStyle>
+  <p:extLst>
+    <p:ext uri="{EFAFB233-063F-42B5-8137-9DF3F51BA10A}">
+      <p15:sldGuideLst xmlns:p15="http://schemas.microsoft.com/office/powerpoint/2012/main"/>
+    </p:ext>
+  </p:extLst>
 </p:presentation>
 </file>
 
@@ -3049,6 +3058,393 @@
 </p:sld>
 </file>
 
+<file path=ppt/slides/slide2.xml><?xml version="1.0" encoding="utf-8"?>
+<p:sld xmlns:a="http://schemas.openxmlformats.org/drawingml/2006/main" xmlns:r="http://schemas.openxmlformats.org/officeDocument/2006/relationships" xmlns:p="http://schemas.openxmlformats.org/presentationml/2006/main">
+  <p:cSld>
+    <p:spTree>
+      <p:nvGrpSpPr>
+        <p:cNvPr id="1" name=""/>
+        <p:cNvGrpSpPr/>
+        <p:nvPr/>
+      </p:nvGrpSpPr>
+      <p:grpSpPr>
+        <a:xfrm>
+          <a:off x="0" y="0"/>
+          <a:ext cx="0" cy="0"/>
+          <a:chOff x="0" y="0"/>
+          <a:chExt cx="0" cy="0"/>
+        </a:xfrm>
+      </p:grpSpPr>
+      <p:sp>
+        <p:nvSpPr>
+          <p:cNvPr id="2" name="제목 1">
+            <a:extLst>
+              <a:ext uri="{FF2B5EF4-FFF2-40B4-BE49-F238E27FC236}">
+                <a16:creationId xmlns:a16="http://schemas.microsoft.com/office/drawing/2014/main" id="{BA04CAC0-C7CE-4FD7-BC86-AB2E65E3653F}"/>
+              </a:ext>
+            </a:extLst>
+          </p:cNvPr>
+          <p:cNvSpPr>
+            <a:spLocks noGrp="1"/>
+          </p:cNvSpPr>
+          <p:nvPr>
+            <p:ph type="title"/>
+          </p:nvPr>
+        </p:nvSpPr>
+        <p:spPr/>
+        <p:txBody>
+          <a:bodyPr/>
+          <a:lstStyle/>
+          <a:p>
+            <a:r>
+              <a:rPr lang="ko-KR" altLang="en-US" dirty="0"/>
+              <a:t>바로 잠들기와 바로 일어나기</a:t>
+            </a:r>
+          </a:p>
+        </p:txBody>
+      </p:sp>
+      <p:sp>
+        <p:nvSpPr>
+          <p:cNvPr id="3" name="내용 개체 틀 2">
+            <a:extLst>
+              <a:ext uri="{FF2B5EF4-FFF2-40B4-BE49-F238E27FC236}">
+                <a16:creationId xmlns:a16="http://schemas.microsoft.com/office/drawing/2014/main" id="{9C28A047-BE31-4C85-8298-0AC6E80CF880}"/>
+              </a:ext>
+            </a:extLst>
+          </p:cNvPr>
+          <p:cNvSpPr>
+            <a:spLocks noGrp="1"/>
+          </p:cNvSpPr>
+          <p:nvPr>
+            <p:ph idx="1"/>
+          </p:nvPr>
+        </p:nvSpPr>
+        <p:spPr/>
+        <p:txBody>
+          <a:bodyPr/>
+          <a:lstStyle/>
+          <a:p>
+            <a:endParaRPr lang="ko-KR" altLang="en-US" dirty="0"/>
+          </a:p>
+        </p:txBody>
+      </p:sp>
+    </p:spTree>
+    <p:extLst>
+      <p:ext uri="{BB962C8B-B14F-4D97-AF65-F5344CB8AC3E}">
+        <p14:creationId xmlns:p14="http://schemas.microsoft.com/office/powerpoint/2010/main" val="1928996843"/>
+      </p:ext>
+    </p:extLst>
+  </p:cSld>
+  <p:clrMapOvr>
+    <a:masterClrMapping/>
+  </p:clrMapOvr>
+</p:sld>
+</file>
+
+<file path=ppt/slides/slide3.xml><?xml version="1.0" encoding="utf-8"?>
+<p:sld xmlns:a="http://schemas.openxmlformats.org/drawingml/2006/main" xmlns:r="http://schemas.openxmlformats.org/officeDocument/2006/relationships" xmlns:p="http://schemas.openxmlformats.org/presentationml/2006/main">
+  <p:cSld>
+    <p:spTree>
+      <p:nvGrpSpPr>
+        <p:cNvPr id="1" name=""/>
+        <p:cNvGrpSpPr/>
+        <p:nvPr/>
+      </p:nvGrpSpPr>
+      <p:grpSpPr>
+        <a:xfrm>
+          <a:off x="0" y="0"/>
+          <a:ext cx="0" cy="0"/>
+          <a:chOff x="0" y="0"/>
+          <a:chExt cx="0" cy="0"/>
+        </a:xfrm>
+      </p:grpSpPr>
+      <p:sp>
+        <p:nvSpPr>
+          <p:cNvPr id="2" name="제목 1">
+            <a:extLst>
+              <a:ext uri="{FF2B5EF4-FFF2-40B4-BE49-F238E27FC236}">
+                <a16:creationId xmlns:a16="http://schemas.microsoft.com/office/drawing/2014/main" id="{09045C63-3D86-4F42-A92B-46F0294AD7DF}"/>
+              </a:ext>
+            </a:extLst>
+          </p:cNvPr>
+          <p:cNvSpPr>
+            <a:spLocks noGrp="1"/>
+          </p:cNvSpPr>
+          <p:nvPr>
+            <p:ph type="title"/>
+          </p:nvPr>
+        </p:nvSpPr>
+        <p:spPr/>
+        <p:txBody>
+          <a:bodyPr/>
+          <a:lstStyle/>
+          <a:p>
+            <a:r>
+              <a:rPr lang="ko-KR" altLang="en-US" dirty="0"/>
+              <a:t>수면의 질 높이기</a:t>
+            </a:r>
+          </a:p>
+        </p:txBody>
+      </p:sp>
+      <p:sp>
+        <p:nvSpPr>
+          <p:cNvPr id="3" name="내용 개체 틀 2">
+            <a:extLst>
+              <a:ext uri="{FF2B5EF4-FFF2-40B4-BE49-F238E27FC236}">
+                <a16:creationId xmlns:a16="http://schemas.microsoft.com/office/drawing/2014/main" id="{15A1C4F1-C876-4F3B-8583-D7577069189C}"/>
+              </a:ext>
+            </a:extLst>
+          </p:cNvPr>
+          <p:cNvSpPr>
+            <a:spLocks noGrp="1"/>
+          </p:cNvSpPr>
+          <p:nvPr>
+            <p:ph idx="1"/>
+          </p:nvPr>
+        </p:nvSpPr>
+        <p:spPr/>
+        <p:txBody>
+          <a:bodyPr/>
+          <a:lstStyle/>
+          <a:p>
+            <a:r>
+              <a:rPr lang="ko-KR" altLang="en-US" dirty="0"/>
+              <a:t>수면의 총량 </a:t>
+            </a:r>
+            <a:r>
+              <a:rPr lang="en-US" altLang="ko-KR" dirty="0"/>
+              <a:t>= </a:t>
+            </a:r>
+            <a:r>
+              <a:rPr lang="ko-KR" altLang="en-US" dirty="0"/>
+              <a:t>수면 시간 </a:t>
+            </a:r>
+            <a:r>
+              <a:rPr lang="en-US" altLang="ko-KR" dirty="0"/>
+              <a:t>x </a:t>
+            </a:r>
+            <a:r>
+              <a:rPr lang="ko-KR" altLang="en-US" dirty="0"/>
+              <a:t>수면의 질</a:t>
+            </a:r>
+          </a:p>
+        </p:txBody>
+      </p:sp>
+    </p:spTree>
+    <p:extLst>
+      <p:ext uri="{BB962C8B-B14F-4D97-AF65-F5344CB8AC3E}">
+        <p14:creationId xmlns:p14="http://schemas.microsoft.com/office/powerpoint/2010/main" val="1191150545"/>
+      </p:ext>
+    </p:extLst>
+  </p:cSld>
+  <p:clrMapOvr>
+    <a:masterClrMapping/>
+  </p:clrMapOvr>
+</p:sld>
+</file>
+
+<file path=ppt/slides/slide4.xml><?xml version="1.0" encoding="utf-8"?>
+<p:sld xmlns:a="http://schemas.openxmlformats.org/drawingml/2006/main" xmlns:r="http://schemas.openxmlformats.org/officeDocument/2006/relationships" xmlns:p="http://schemas.openxmlformats.org/presentationml/2006/main">
+  <p:cSld>
+    <p:spTree>
+      <p:nvGrpSpPr>
+        <p:cNvPr id="1" name=""/>
+        <p:cNvGrpSpPr/>
+        <p:nvPr/>
+      </p:nvGrpSpPr>
+      <p:grpSpPr>
+        <a:xfrm>
+          <a:off x="0" y="0"/>
+          <a:ext cx="0" cy="0"/>
+          <a:chOff x="0" y="0"/>
+          <a:chExt cx="0" cy="0"/>
+        </a:xfrm>
+      </p:grpSpPr>
+      <p:sp>
+        <p:nvSpPr>
+          <p:cNvPr id="2" name="제목 1">
+            <a:extLst>
+              <a:ext uri="{FF2B5EF4-FFF2-40B4-BE49-F238E27FC236}">
+                <a16:creationId xmlns:a16="http://schemas.microsoft.com/office/drawing/2014/main" id="{FBD233C1-3A56-4423-B231-63E68B938575}"/>
+              </a:ext>
+            </a:extLst>
+          </p:cNvPr>
+          <p:cNvSpPr>
+            <a:spLocks noGrp="1"/>
+          </p:cNvSpPr>
+          <p:nvPr>
+            <p:ph type="title"/>
+          </p:nvPr>
+        </p:nvSpPr>
+        <p:spPr/>
+        <p:txBody>
+          <a:bodyPr/>
+          <a:lstStyle/>
+          <a:p>
+            <a:r>
+              <a:rPr lang="ko-KR" altLang="en-US" dirty="0"/>
+              <a:t>낮잠의 기술</a:t>
+            </a:r>
+          </a:p>
+        </p:txBody>
+      </p:sp>
+      <p:sp>
+        <p:nvSpPr>
+          <p:cNvPr id="3" name="내용 개체 틀 2">
+            <a:extLst>
+              <a:ext uri="{FF2B5EF4-FFF2-40B4-BE49-F238E27FC236}">
+                <a16:creationId xmlns:a16="http://schemas.microsoft.com/office/drawing/2014/main" id="{0AC4A3B1-D467-4D89-BDF3-73C57C13EDBD}"/>
+              </a:ext>
+            </a:extLst>
+          </p:cNvPr>
+          <p:cNvSpPr>
+            <a:spLocks noGrp="1"/>
+          </p:cNvSpPr>
+          <p:nvPr>
+            <p:ph idx="1"/>
+          </p:nvPr>
+        </p:nvSpPr>
+        <p:spPr/>
+        <p:txBody>
+          <a:bodyPr/>
+          <a:lstStyle/>
+          <a:p>
+            <a:r>
+              <a:rPr lang="ko-KR" altLang="en-US" dirty="0"/>
+              <a:t>나노 낮잠</a:t>
+            </a:r>
+            <a:endParaRPr lang="en-US" altLang="ko-KR" dirty="0"/>
+          </a:p>
+          <a:p>
+            <a:r>
+              <a:rPr lang="ko-KR" altLang="en-US" dirty="0"/>
+              <a:t>마이크로 낮잠</a:t>
+            </a:r>
+            <a:endParaRPr lang="en-US" altLang="ko-KR" dirty="0"/>
+          </a:p>
+          <a:p>
+            <a:r>
+              <a:rPr lang="ko-KR" altLang="en-US" dirty="0"/>
+              <a:t>미니 낮잠</a:t>
+            </a:r>
+            <a:endParaRPr lang="en-US" altLang="ko-KR" dirty="0"/>
+          </a:p>
+          <a:p>
+            <a:r>
+              <a:rPr lang="ko-KR" altLang="en-US" dirty="0"/>
+              <a:t>파워 낮잠</a:t>
+            </a:r>
+            <a:endParaRPr lang="en-US" altLang="ko-KR" dirty="0"/>
+          </a:p>
+          <a:p>
+            <a:r>
+              <a:rPr lang="ko-KR" altLang="en-US" dirty="0"/>
+              <a:t>홀리데이 낮잠</a:t>
+            </a:r>
+            <a:endParaRPr lang="en-US" altLang="ko-KR" dirty="0"/>
+          </a:p>
+          <a:p>
+            <a:endParaRPr lang="ko-KR" altLang="en-US" dirty="0"/>
+          </a:p>
+        </p:txBody>
+      </p:sp>
+    </p:spTree>
+    <p:extLst>
+      <p:ext uri="{BB962C8B-B14F-4D97-AF65-F5344CB8AC3E}">
+        <p14:creationId xmlns:p14="http://schemas.microsoft.com/office/powerpoint/2010/main" val="2469223630"/>
+      </p:ext>
+    </p:extLst>
+  </p:cSld>
+  <p:clrMapOvr>
+    <a:masterClrMapping/>
+  </p:clrMapOvr>
+</p:sld>
+</file>
+
+<file path=ppt/slides/slide5.xml><?xml version="1.0" encoding="utf-8"?>
+<p:sld xmlns:a="http://schemas.openxmlformats.org/drawingml/2006/main" xmlns:r="http://schemas.openxmlformats.org/officeDocument/2006/relationships" xmlns:p="http://schemas.openxmlformats.org/presentationml/2006/main">
+  <p:cSld>
+    <p:spTree>
+      <p:nvGrpSpPr>
+        <p:cNvPr id="1" name=""/>
+        <p:cNvGrpSpPr/>
+        <p:nvPr/>
+      </p:nvGrpSpPr>
+      <p:grpSpPr>
+        <a:xfrm>
+          <a:off x="0" y="0"/>
+          <a:ext cx="0" cy="0"/>
+          <a:chOff x="0" y="0"/>
+          <a:chExt cx="0" cy="0"/>
+        </a:xfrm>
+      </p:grpSpPr>
+      <p:sp>
+        <p:nvSpPr>
+          <p:cNvPr id="2" name="제목 1">
+            <a:extLst>
+              <a:ext uri="{FF2B5EF4-FFF2-40B4-BE49-F238E27FC236}">
+                <a16:creationId xmlns:a16="http://schemas.microsoft.com/office/drawing/2014/main" id="{6C49EA92-7AFE-4690-9067-C9D33D21B61E}"/>
+              </a:ext>
+            </a:extLst>
+          </p:cNvPr>
+          <p:cNvSpPr>
+            <a:spLocks noGrp="1"/>
+          </p:cNvSpPr>
+          <p:nvPr>
+            <p:ph type="title"/>
+          </p:nvPr>
+        </p:nvSpPr>
+        <p:spPr/>
+        <p:txBody>
+          <a:bodyPr/>
+          <a:lstStyle/>
+          <a:p>
+            <a:r>
+              <a:rPr lang="ko-KR" altLang="en-US" dirty="0" err="1"/>
+              <a:t>쇼트슬리퍼</a:t>
+            </a:r>
+            <a:endParaRPr lang="ko-KR" altLang="en-US" dirty="0"/>
+          </a:p>
+        </p:txBody>
+      </p:sp>
+      <p:sp>
+        <p:nvSpPr>
+          <p:cNvPr id="3" name="내용 개체 틀 2">
+            <a:extLst>
+              <a:ext uri="{FF2B5EF4-FFF2-40B4-BE49-F238E27FC236}">
+                <a16:creationId xmlns:a16="http://schemas.microsoft.com/office/drawing/2014/main" id="{6458C6C7-E917-4EA1-AFF7-EF3F8637953B}"/>
+              </a:ext>
+            </a:extLst>
+          </p:cNvPr>
+          <p:cNvSpPr>
+            <a:spLocks noGrp="1"/>
+          </p:cNvSpPr>
+          <p:nvPr>
+            <p:ph idx="1"/>
+          </p:nvPr>
+        </p:nvSpPr>
+        <p:spPr/>
+        <p:txBody>
+          <a:bodyPr/>
+          <a:lstStyle/>
+          <a:p>
+            <a:endParaRPr lang="ko-KR" altLang="en-US"/>
+          </a:p>
+        </p:txBody>
+      </p:sp>
+    </p:spTree>
+    <p:extLst>
+      <p:ext uri="{BB962C8B-B14F-4D97-AF65-F5344CB8AC3E}">
+        <p14:creationId xmlns:p14="http://schemas.microsoft.com/office/powerpoint/2010/main" val="1853963165"/>
+      </p:ext>
+    </p:extLst>
+  </p:cSld>
+  <p:clrMapOvr>
+    <a:masterClrMapping/>
+  </p:clrMapOvr>
+</p:sld>
+</file>
+
 <file path=ppt/theme/theme1.xml><?xml version="1.0" encoding="utf-8"?>
 <a:theme xmlns:a="http://schemas.openxmlformats.org/drawingml/2006/main" name="Office Theme">
   <a:themeElements>

--- a/적게 자도 괜찮습니다.pptx
+++ b/적게 자도 괜찮습니다.pptx
@@ -247,7 +247,7 @@
           <a:p>
             <a:fld id="{EB0381B0-DBC3-4C53-BEF5-BDD78B9484E4}" type="datetimeFigureOut">
               <a:rPr lang="ko-KR" altLang="en-US" smtClean="0"/>
-              <a:t>2020-01-09</a:t>
+              <a:t>2020-01-31</a:t>
             </a:fld>
             <a:endParaRPr lang="ko-KR" altLang="en-US"/>
           </a:p>
@@ -417,7 +417,7 @@
           <a:p>
             <a:fld id="{EB0381B0-DBC3-4C53-BEF5-BDD78B9484E4}" type="datetimeFigureOut">
               <a:rPr lang="ko-KR" altLang="en-US" smtClean="0"/>
-              <a:t>2020-01-09</a:t>
+              <a:t>2020-01-31</a:t>
             </a:fld>
             <a:endParaRPr lang="ko-KR" altLang="en-US"/>
           </a:p>
@@ -597,7 +597,7 @@
           <a:p>
             <a:fld id="{EB0381B0-DBC3-4C53-BEF5-BDD78B9484E4}" type="datetimeFigureOut">
               <a:rPr lang="ko-KR" altLang="en-US" smtClean="0"/>
-              <a:t>2020-01-09</a:t>
+              <a:t>2020-01-31</a:t>
             </a:fld>
             <a:endParaRPr lang="ko-KR" altLang="en-US"/>
           </a:p>
@@ -767,7 +767,7 @@
           <a:p>
             <a:fld id="{EB0381B0-DBC3-4C53-BEF5-BDD78B9484E4}" type="datetimeFigureOut">
               <a:rPr lang="ko-KR" altLang="en-US" smtClean="0"/>
-              <a:t>2020-01-09</a:t>
+              <a:t>2020-01-31</a:t>
             </a:fld>
             <a:endParaRPr lang="ko-KR" altLang="en-US"/>
           </a:p>
@@ -1011,7 +1011,7 @@
           <a:p>
             <a:fld id="{EB0381B0-DBC3-4C53-BEF5-BDD78B9484E4}" type="datetimeFigureOut">
               <a:rPr lang="ko-KR" altLang="en-US" smtClean="0"/>
-              <a:t>2020-01-09</a:t>
+              <a:t>2020-01-31</a:t>
             </a:fld>
             <a:endParaRPr lang="ko-KR" altLang="en-US"/>
           </a:p>
@@ -1243,7 +1243,7 @@
           <a:p>
             <a:fld id="{EB0381B0-DBC3-4C53-BEF5-BDD78B9484E4}" type="datetimeFigureOut">
               <a:rPr lang="ko-KR" altLang="en-US" smtClean="0"/>
-              <a:t>2020-01-09</a:t>
+              <a:t>2020-01-31</a:t>
             </a:fld>
             <a:endParaRPr lang="ko-KR" altLang="en-US"/>
           </a:p>
@@ -1610,7 +1610,7 @@
           <a:p>
             <a:fld id="{EB0381B0-DBC3-4C53-BEF5-BDD78B9484E4}" type="datetimeFigureOut">
               <a:rPr lang="ko-KR" altLang="en-US" smtClean="0"/>
-              <a:t>2020-01-09</a:t>
+              <a:t>2020-01-31</a:t>
             </a:fld>
             <a:endParaRPr lang="ko-KR" altLang="en-US"/>
           </a:p>
@@ -1728,7 +1728,7 @@
           <a:p>
             <a:fld id="{EB0381B0-DBC3-4C53-BEF5-BDD78B9484E4}" type="datetimeFigureOut">
               <a:rPr lang="ko-KR" altLang="en-US" smtClean="0"/>
-              <a:t>2020-01-09</a:t>
+              <a:t>2020-01-31</a:t>
             </a:fld>
             <a:endParaRPr lang="ko-KR" altLang="en-US"/>
           </a:p>
@@ -1823,7 +1823,7 @@
           <a:p>
             <a:fld id="{EB0381B0-DBC3-4C53-BEF5-BDD78B9484E4}" type="datetimeFigureOut">
               <a:rPr lang="ko-KR" altLang="en-US" smtClean="0"/>
-              <a:t>2020-01-09</a:t>
+              <a:t>2020-01-31</a:t>
             </a:fld>
             <a:endParaRPr lang="ko-KR" altLang="en-US"/>
           </a:p>
@@ -2100,7 +2100,7 @@
           <a:p>
             <a:fld id="{EB0381B0-DBC3-4C53-BEF5-BDD78B9484E4}" type="datetimeFigureOut">
               <a:rPr lang="ko-KR" altLang="en-US" smtClean="0"/>
-              <a:t>2020-01-09</a:t>
+              <a:t>2020-01-31</a:t>
             </a:fld>
             <a:endParaRPr lang="ko-KR" altLang="en-US"/>
           </a:p>
@@ -2357,7 +2357,7 @@
           <a:p>
             <a:fld id="{EB0381B0-DBC3-4C53-BEF5-BDD78B9484E4}" type="datetimeFigureOut">
               <a:rPr lang="ko-KR" altLang="en-US" smtClean="0"/>
-              <a:t>2020-01-09</a:t>
+              <a:t>2020-01-31</a:t>
             </a:fld>
             <a:endParaRPr lang="ko-KR" altLang="en-US"/>
           </a:p>
@@ -2570,7 +2570,7 @@
           <a:p>
             <a:fld id="{EB0381B0-DBC3-4C53-BEF5-BDD78B9484E4}" type="datetimeFigureOut">
               <a:rPr lang="ko-KR" altLang="en-US" smtClean="0"/>
-              <a:t>2020-01-09</a:t>
+              <a:t>2020-01-31</a:t>
             </a:fld>
             <a:endParaRPr lang="ko-KR" altLang="en-US"/>
           </a:p>
@@ -3124,7 +3124,62 @@
           <a:bodyPr/>
           <a:lstStyle/>
           <a:p>
-            <a:endParaRPr lang="ko-KR" altLang="en-US" dirty="0"/>
+            <a:r>
+              <a:rPr lang="ko-KR" altLang="en-US" b="1" dirty="0">
+                <a:solidFill>
+                  <a:srgbClr val="FFFF00"/>
+                </a:solidFill>
+              </a:rPr>
+              <a:t>잠들기 위해 소비하는 시간과 일어났을 때 겪는 불필요한 시간을 최대한 줄이는 것</a:t>
+            </a:r>
+            <a:r>
+              <a:rPr lang="en-US" altLang="ko-KR" b="1" dirty="0">
+                <a:solidFill>
+                  <a:srgbClr val="FFFF00"/>
+                </a:solidFill>
+              </a:rPr>
+              <a:t>!!!!!!</a:t>
+            </a:r>
+          </a:p>
+          <a:p>
+            <a:r>
+              <a:rPr lang="ko-KR" altLang="en-US" dirty="0"/>
+              <a:t>우리는 침대위에서 너무 많은 것을 하고있다</a:t>
+            </a:r>
+            <a:r>
+              <a:rPr lang="en-US" altLang="ko-KR" dirty="0"/>
+              <a:t>. -&gt; </a:t>
+            </a:r>
+            <a:r>
+              <a:rPr lang="ko-KR" altLang="en-US" dirty="0"/>
+              <a:t>이불 속을 자는 공간이 아니라 </a:t>
+            </a:r>
+            <a:r>
+              <a:rPr lang="ko-KR" altLang="en-US" dirty="0" err="1"/>
+              <a:t>깨어있는</a:t>
+            </a:r>
+            <a:r>
+              <a:rPr lang="ko-KR" altLang="en-US" dirty="0"/>
+              <a:t> 시간으로 인식하게 됨</a:t>
+            </a:r>
+            <a:r>
+              <a:rPr lang="en-US" altLang="ko-KR" dirty="0"/>
+              <a:t>.</a:t>
+            </a:r>
+          </a:p>
+          <a:p>
+            <a:r>
+              <a:rPr lang="ko-KR" altLang="en-US" dirty="0"/>
+              <a:t>자기전에 일어나는 시간에 대해 각인을 </a:t>
+            </a:r>
+            <a:r>
+              <a:rPr lang="ko-KR" altLang="en-US" dirty="0" err="1"/>
+              <a:t>시켜줘야함</a:t>
+            </a:r>
+            <a:r>
+              <a:rPr lang="en-US" altLang="ko-KR" dirty="0"/>
+              <a:t>.</a:t>
+            </a:r>
           </a:p>
         </p:txBody>
       </p:sp>
@@ -3208,25 +3263,140 @@
           <a:lstStyle/>
           <a:p>
             <a:r>
+              <a:rPr lang="ko-KR" altLang="en-US" dirty="0">
+                <a:solidFill>
+                  <a:srgbClr val="FFFF00"/>
+                </a:solidFill>
+              </a:rPr>
+              <a:t>수면의 총량 </a:t>
+            </a:r>
+            <a:r>
+              <a:rPr lang="en-US" altLang="ko-KR" dirty="0">
+                <a:solidFill>
+                  <a:srgbClr val="FFFF00"/>
+                </a:solidFill>
+              </a:rPr>
+              <a:t>= </a:t>
+            </a:r>
+            <a:r>
+              <a:rPr lang="ko-KR" altLang="en-US" dirty="0">
+                <a:solidFill>
+                  <a:srgbClr val="FFFF00"/>
+                </a:solidFill>
+              </a:rPr>
+              <a:t>수면 시간 </a:t>
+            </a:r>
+            <a:r>
+              <a:rPr lang="en-US" altLang="ko-KR" dirty="0">
+                <a:solidFill>
+                  <a:srgbClr val="FFFF00"/>
+                </a:solidFill>
+              </a:rPr>
+              <a:t>x </a:t>
+            </a:r>
+            <a:r>
+              <a:rPr lang="ko-KR" altLang="en-US" dirty="0">
+                <a:solidFill>
+                  <a:srgbClr val="FFFF00"/>
+                </a:solidFill>
+              </a:rPr>
+              <a:t>수면의 질</a:t>
+            </a:r>
+            <a:endParaRPr lang="en-US" altLang="ko-KR" dirty="0">
+              <a:solidFill>
+                <a:srgbClr val="FFFF00"/>
+              </a:solidFill>
+            </a:endParaRPr>
+          </a:p>
+          <a:p>
+            <a:endParaRPr lang="en-US" altLang="ko-KR" dirty="0">
+              <a:solidFill>
+                <a:srgbClr val="FFFF00"/>
+              </a:solidFill>
+            </a:endParaRPr>
+          </a:p>
+          <a:p>
+            <a:r>
               <a:rPr lang="ko-KR" altLang="en-US" dirty="0"/>
-              <a:t>수면의 총량 </a:t>
+              <a:t>고 퀄리티로 짧게 자는 것이 저 퀄리티로 길게 자는 것보다 낫다</a:t>
             </a:r>
             <a:r>
               <a:rPr lang="en-US" altLang="ko-KR" dirty="0"/>
-              <a:t>= </a:t>
-            </a:r>
+              <a:t>.</a:t>
+            </a:r>
+          </a:p>
+          <a:p>
             <a:r>
               <a:rPr lang="ko-KR" altLang="en-US" dirty="0"/>
-              <a:t>수면 시간 </a:t>
+              <a:t>어떻게 수면의 질을 높일 수 있을까</a:t>
             </a:r>
             <a:r>
               <a:rPr lang="en-US" altLang="ko-KR" dirty="0"/>
-              <a:t>x </a:t>
+              <a:t>? </a:t>
             </a:r>
             <a:r>
               <a:rPr lang="ko-KR" altLang="en-US" dirty="0"/>
-              <a:t>수면의 질</a:t>
-            </a:r>
+              <a:t>자고 난 후 첫 </a:t>
+            </a:r>
+            <a:r>
+              <a:rPr lang="en-US" altLang="ko-KR" dirty="0"/>
+              <a:t>3</a:t>
+            </a:r>
+            <a:r>
+              <a:rPr lang="ko-KR" altLang="en-US" dirty="0"/>
+              <a:t>시간의 질을 높여야 한다</a:t>
+            </a:r>
+            <a:r>
+              <a:rPr lang="en-US" altLang="ko-KR" dirty="0"/>
+              <a:t>. </a:t>
+            </a:r>
+          </a:p>
+          <a:p>
+            <a:pPr lvl="1"/>
+            <a:r>
+              <a:rPr lang="ko-KR" altLang="en-US" dirty="0"/>
+              <a:t>잠이 잘 오는 운동 </a:t>
+            </a:r>
+            <a:r>
+              <a:rPr lang="en-US" altLang="ko-KR" dirty="0"/>
+              <a:t>(5</a:t>
+            </a:r>
+            <a:r>
+              <a:rPr lang="ko-KR" altLang="en-US" dirty="0"/>
+              <a:t>분 정도 투자해서 훈련</a:t>
+            </a:r>
+            <a:r>
+              <a:rPr lang="en-US" altLang="ko-KR" dirty="0"/>
+              <a:t>)</a:t>
+            </a:r>
+          </a:p>
+          <a:p>
+            <a:pPr lvl="1"/>
+            <a:r>
+              <a:rPr lang="ko-KR" altLang="en-US" dirty="0"/>
+              <a:t>적절한 침구와 매트리스</a:t>
+            </a:r>
+            <a:endParaRPr lang="en-US" altLang="ko-KR" dirty="0"/>
+          </a:p>
+          <a:p>
+            <a:pPr lvl="1"/>
+            <a:r>
+              <a:rPr lang="ko-KR" altLang="en-US" dirty="0"/>
+              <a:t>잠이 잘 오는 온도</a:t>
+            </a:r>
+            <a:endParaRPr lang="en-US" altLang="ko-KR" dirty="0"/>
+          </a:p>
+          <a:p>
+            <a:pPr lvl="1"/>
+            <a:r>
+              <a:rPr lang="ko-KR" altLang="en-US" dirty="0"/>
+              <a:t>잠이 잘 올 수 있게 하는 영양제</a:t>
+            </a:r>
+            <a:endParaRPr lang="en-US" altLang="ko-KR" dirty="0"/>
+          </a:p>
+          <a:p>
+            <a:pPr lvl="1"/>
+            <a:endParaRPr lang="ko-KR" altLang="en-US" dirty="0"/>
           </a:p>
         </p:txBody>
       </p:sp>
@@ -3344,6 +3514,51 @@
             <a:endParaRPr lang="en-US" altLang="ko-KR" dirty="0"/>
           </a:p>
           <a:p>
+            <a:endParaRPr lang="en-US" altLang="ko-KR" dirty="0"/>
+          </a:p>
+          <a:p>
+            <a:r>
+              <a:rPr lang="ko-KR" altLang="en-US" dirty="0"/>
+              <a:t>세계적인 기업에서 낮잠을 권장 </a:t>
+            </a:r>
+            <a:r>
+              <a:rPr lang="en-US" altLang="ko-KR" dirty="0"/>
+              <a:t>(</a:t>
+            </a:r>
+            <a:r>
+              <a:rPr lang="ko-KR" altLang="en-US" dirty="0">
+                <a:solidFill>
+                  <a:srgbClr val="FFFF00"/>
+                </a:solidFill>
+              </a:rPr>
+              <a:t>오후 </a:t>
+            </a:r>
+            <a:r>
+              <a:rPr lang="en-US" altLang="ko-KR" dirty="0">
+                <a:solidFill>
+                  <a:srgbClr val="FFFF00"/>
+                </a:solidFill>
+              </a:rPr>
+              <a:t>3</a:t>
+            </a:r>
+            <a:r>
+              <a:rPr lang="ko-KR" altLang="en-US" dirty="0">
+                <a:solidFill>
+                  <a:srgbClr val="FFFF00"/>
+                </a:solidFill>
+              </a:rPr>
+              <a:t>시 이전에 </a:t>
+            </a:r>
+            <a:r>
+              <a:rPr lang="ko-KR" altLang="en-US" dirty="0"/>
+              <a:t>해야함</a:t>
+            </a:r>
+            <a:r>
+              <a:rPr lang="en-US" altLang="ko-KR" dirty="0"/>
+              <a:t>!!)</a:t>
+            </a:r>
+          </a:p>
+          <a:p>
             <a:endParaRPr lang="ko-KR" altLang="en-US" dirty="0"/>
           </a:p>
         </p:txBody>
@@ -3428,7 +3643,31 @@
           <a:bodyPr/>
           <a:lstStyle/>
           <a:p>
-            <a:endParaRPr lang="ko-KR" altLang="en-US"/>
+            <a:r>
+              <a:rPr lang="ko-KR" altLang="en-US" dirty="0"/>
+              <a:t>일주일에 </a:t>
+            </a:r>
+            <a:r>
+              <a:rPr lang="en-US" altLang="ko-KR" dirty="0"/>
+              <a:t>15</a:t>
+            </a:r>
+            <a:r>
+              <a:rPr lang="ko-KR" altLang="en-US" dirty="0"/>
+              <a:t>분 씩 줄여야 함</a:t>
+            </a:r>
+            <a:r>
+              <a:rPr lang="en-US" altLang="ko-KR" dirty="0"/>
+              <a:t>. (</a:t>
+            </a:r>
+            <a:r>
+              <a:rPr lang="ko-KR" altLang="en-US" dirty="0"/>
+              <a:t>한번에 줄이면 부작용</a:t>
+            </a:r>
+            <a:r>
+              <a:rPr lang="en-US" altLang="ko-KR"/>
+              <a:t>…!!)</a:t>
+            </a:r>
+            <a:endParaRPr lang="ko-KR" altLang="en-US" dirty="0"/>
           </a:p>
         </p:txBody>
       </p:sp>
